--- a/Word.pptx
+++ b/Word.pptx
@@ -221,7 +221,7 @@
           <a:p>
             <a:fld id="{1E980196-448A-481A-8A1B-A58FF56D8844}" type="datetimeFigureOut">
               <a:rPr lang="en-US" smtClean="0"/>
-              <a:t>1/14/2023</a:t>
+              <a:t>1/16/2023</a:t>
             </a:fld>
             <a:endParaRPr lang="en-US"/>
           </a:p>
@@ -620,7 +620,7 @@
           <a:p>
             <a:fld id="{F63CEDD3-0525-4453-AC94-ABA547278219}" type="datetimeFigureOut">
               <a:rPr lang="en-US" smtClean="0"/>
-              <a:t>1/14/2023</a:t>
+              <a:t>1/16/2023</a:t>
             </a:fld>
             <a:endParaRPr lang="en-US"/>
           </a:p>
@@ -790,7 +790,7 @@
           <a:p>
             <a:fld id="{F63CEDD3-0525-4453-AC94-ABA547278219}" type="datetimeFigureOut">
               <a:rPr lang="en-US" smtClean="0"/>
-              <a:t>1/14/2023</a:t>
+              <a:t>1/16/2023</a:t>
             </a:fld>
             <a:endParaRPr lang="en-US"/>
           </a:p>
@@ -970,7 +970,7 @@
           <a:p>
             <a:fld id="{F63CEDD3-0525-4453-AC94-ABA547278219}" type="datetimeFigureOut">
               <a:rPr lang="en-US" smtClean="0"/>
-              <a:t>1/14/2023</a:t>
+              <a:t>1/16/2023</a:t>
             </a:fld>
             <a:endParaRPr lang="en-US"/>
           </a:p>
@@ -1140,7 +1140,7 @@
           <a:p>
             <a:fld id="{F63CEDD3-0525-4453-AC94-ABA547278219}" type="datetimeFigureOut">
               <a:rPr lang="en-US" smtClean="0"/>
-              <a:t>1/14/2023</a:t>
+              <a:t>1/16/2023</a:t>
             </a:fld>
             <a:endParaRPr lang="en-US"/>
           </a:p>
@@ -1384,7 +1384,7 @@
           <a:p>
             <a:fld id="{F63CEDD3-0525-4453-AC94-ABA547278219}" type="datetimeFigureOut">
               <a:rPr lang="en-US" smtClean="0"/>
-              <a:t>1/14/2023</a:t>
+              <a:t>1/16/2023</a:t>
             </a:fld>
             <a:endParaRPr lang="en-US"/>
           </a:p>
@@ -1616,7 +1616,7 @@
           <a:p>
             <a:fld id="{F63CEDD3-0525-4453-AC94-ABA547278219}" type="datetimeFigureOut">
               <a:rPr lang="en-US" smtClean="0"/>
-              <a:t>1/14/2023</a:t>
+              <a:t>1/16/2023</a:t>
             </a:fld>
             <a:endParaRPr lang="en-US"/>
           </a:p>
@@ -1983,7 +1983,7 @@
           <a:p>
             <a:fld id="{F63CEDD3-0525-4453-AC94-ABA547278219}" type="datetimeFigureOut">
               <a:rPr lang="en-US" smtClean="0"/>
-              <a:t>1/14/2023</a:t>
+              <a:t>1/16/2023</a:t>
             </a:fld>
             <a:endParaRPr lang="en-US"/>
           </a:p>
@@ -2101,7 +2101,7 @@
           <a:p>
             <a:fld id="{F63CEDD3-0525-4453-AC94-ABA547278219}" type="datetimeFigureOut">
               <a:rPr lang="en-US" smtClean="0"/>
-              <a:t>1/14/2023</a:t>
+              <a:t>1/16/2023</a:t>
             </a:fld>
             <a:endParaRPr lang="en-US"/>
           </a:p>
@@ -2196,7 +2196,7 @@
           <a:p>
             <a:fld id="{F63CEDD3-0525-4453-AC94-ABA547278219}" type="datetimeFigureOut">
               <a:rPr lang="en-US" smtClean="0"/>
-              <a:t>1/14/2023</a:t>
+              <a:t>1/16/2023</a:t>
             </a:fld>
             <a:endParaRPr lang="en-US"/>
           </a:p>
@@ -2473,7 +2473,7 @@
           <a:p>
             <a:fld id="{F63CEDD3-0525-4453-AC94-ABA547278219}" type="datetimeFigureOut">
               <a:rPr lang="en-US" smtClean="0"/>
-              <a:t>1/14/2023</a:t>
+              <a:t>1/16/2023</a:t>
             </a:fld>
             <a:endParaRPr lang="en-US"/>
           </a:p>
@@ -2730,7 +2730,7 @@
           <a:p>
             <a:fld id="{F63CEDD3-0525-4453-AC94-ABA547278219}" type="datetimeFigureOut">
               <a:rPr lang="en-US" smtClean="0"/>
-              <a:t>1/14/2023</a:t>
+              <a:t>1/16/2023</a:t>
             </a:fld>
             <a:endParaRPr lang="en-US"/>
           </a:p>
@@ -2943,7 +2943,7 @@
           <a:p>
             <a:fld id="{F63CEDD3-0525-4453-AC94-ABA547278219}" type="datetimeFigureOut">
               <a:rPr lang="en-US" smtClean="0"/>
-              <a:t>1/14/2023</a:t>
+              <a:t>1/16/2023</a:t>
             </a:fld>
             <a:endParaRPr lang="en-US"/>
           </a:p>
